--- a/images/images.pptx
+++ b/images/images.pptx
@@ -3342,53 +3342,198 @@
           <a:chExt cx="0" cy="0"/>
         </a:xfrm>
       </p:grpSpPr>
-      <p:sp>
-        <p:nvSpPr>
-          <p:cNvPr id="2" name="Título 1">
-            <a:extLst>
-              <a:ext uri="{FF2B5EF4-FFF2-40B4-BE49-F238E27FC236}">
-                <a16:creationId xmlns:a16="http://schemas.microsoft.com/office/drawing/2014/main" id="{7ABA40F9-C984-1F49-A8E5-FDDF88D46275}"/>
-              </a:ext>
-            </a:extLst>
-          </p:cNvPr>
-          <p:cNvSpPr>
-            <a:spLocks noGrp="1"/>
-          </p:cNvSpPr>
-          <p:nvPr>
-            <p:ph type="ctrTitle"/>
-          </p:nvPr>
-        </p:nvSpPr>
-        <p:spPr/>
-        <p:txBody>
-          <a:bodyPr/>
-          <a:lstStyle/>
-          <a:p>
-            <a:endParaRPr lang="es-CO"/>
-          </a:p>
-        </p:txBody>
-      </p:sp>
-      <p:sp>
-        <p:nvSpPr>
-          <p:cNvPr id="3" name="Subtítulo 2">
-            <a:extLst>
-              <a:ext uri="{FF2B5EF4-FFF2-40B4-BE49-F238E27FC236}">
-                <a16:creationId xmlns:a16="http://schemas.microsoft.com/office/drawing/2014/main" id="{02B6FC55-554F-4341-9FB6-84E60B68D1C7}"/>
-              </a:ext>
-            </a:extLst>
-          </p:cNvPr>
-          <p:cNvSpPr>
-            <a:spLocks noGrp="1"/>
-          </p:cNvSpPr>
-          <p:nvPr>
-            <p:ph type="subTitle" idx="1"/>
-          </p:nvPr>
-        </p:nvSpPr>
-        <p:spPr/>
-        <p:txBody>
-          <a:bodyPr/>
-          <a:lstStyle/>
-          <a:p>
-            <a:endParaRPr lang="es-CO"/>
+      <p:pic>
+        <p:nvPicPr>
+          <p:cNvPr id="5" name="Imagen 4">
+            <a:extLst>
+              <a:ext uri="{FF2B5EF4-FFF2-40B4-BE49-F238E27FC236}">
+                <a16:creationId xmlns:a16="http://schemas.microsoft.com/office/drawing/2014/main" id="{5A72DD34-1C6D-374D-AD4F-30E4C65CD0FA}"/>
+              </a:ext>
+            </a:extLst>
+          </p:cNvPr>
+          <p:cNvPicPr>
+            <a:picLocks noChangeAspect="1"/>
+          </p:cNvPicPr>
+          <p:nvPr/>
+        </p:nvPicPr>
+        <p:blipFill rotWithShape="1">
+          <a:blip r:embed="rId2"/>
+          <a:srcRect r="16137"/>
+          <a:stretch/>
+        </p:blipFill>
+        <p:spPr>
+          <a:xfrm>
+            <a:off x="1365956" y="1218495"/>
+            <a:ext cx="1080000" cy="1042524"/>
+          </a:xfrm>
+          <a:prstGeom prst="rect">
+            <a:avLst/>
+          </a:prstGeom>
+        </p:spPr>
+      </p:pic>
+      <p:pic>
+        <p:nvPicPr>
+          <p:cNvPr id="7" name="Imagen 6">
+            <a:extLst>
+              <a:ext uri="{FF2B5EF4-FFF2-40B4-BE49-F238E27FC236}">
+                <a16:creationId xmlns:a16="http://schemas.microsoft.com/office/drawing/2014/main" id="{46239F6D-5A13-2048-997F-AD4ACF104388}"/>
+              </a:ext>
+            </a:extLst>
+          </p:cNvPr>
+          <p:cNvPicPr>
+            <a:picLocks noChangeAspect="1"/>
+          </p:cNvPicPr>
+          <p:nvPr/>
+        </p:nvPicPr>
+        <p:blipFill rotWithShape="1">
+          <a:blip r:embed="rId3"/>
+          <a:srcRect l="8333" r="11666"/>
+          <a:stretch/>
+        </p:blipFill>
+        <p:spPr>
+          <a:xfrm>
+            <a:off x="2479118" y="1204062"/>
+            <a:ext cx="1051028" cy="1048975"/>
+          </a:xfrm>
+          <a:prstGeom prst="rect">
+            <a:avLst/>
+          </a:prstGeom>
+        </p:spPr>
+      </p:pic>
+      <p:pic>
+        <p:nvPicPr>
+          <p:cNvPr id="11" name="Imagen 10">
+            <a:extLst>
+              <a:ext uri="{FF2B5EF4-FFF2-40B4-BE49-F238E27FC236}">
+                <a16:creationId xmlns:a16="http://schemas.microsoft.com/office/drawing/2014/main" id="{D4C44761-E761-6B4F-A892-5D3AC2FF9703}"/>
+              </a:ext>
+            </a:extLst>
+          </p:cNvPr>
+          <p:cNvPicPr>
+            <a:picLocks noChangeAspect="1"/>
+          </p:cNvPicPr>
+          <p:nvPr/>
+        </p:nvPicPr>
+        <p:blipFill rotWithShape="1">
+          <a:blip r:embed="rId4"/>
+          <a:srcRect l="5630" t="7540" r="17135" b="114"/>
+          <a:stretch/>
+        </p:blipFill>
+        <p:spPr>
+          <a:xfrm>
+            <a:off x="3550608" y="1204062"/>
+            <a:ext cx="1057974" cy="1048975"/>
+          </a:xfrm>
+          <a:prstGeom prst="rect">
+            <a:avLst/>
+          </a:prstGeom>
+        </p:spPr>
+      </p:pic>
+      <p:sp>
+        <p:nvSpPr>
+          <p:cNvPr id="12" name="CuadroTexto 11">
+            <a:extLst>
+              <a:ext uri="{FF2B5EF4-FFF2-40B4-BE49-F238E27FC236}">
+                <a16:creationId xmlns:a16="http://schemas.microsoft.com/office/drawing/2014/main" id="{5D875BBF-A417-624F-B720-BDE74C1892FB}"/>
+              </a:ext>
+            </a:extLst>
+          </p:cNvPr>
+          <p:cNvSpPr txBox="1"/>
+          <p:nvPr/>
+        </p:nvSpPr>
+        <p:spPr>
+          <a:xfrm>
+            <a:off x="1361766" y="941708"/>
+            <a:ext cx="1080000" cy="307777"/>
+          </a:xfrm>
+          <a:prstGeom prst="rect">
+            <a:avLst/>
+          </a:prstGeom>
+          <a:noFill/>
+        </p:spPr>
+        <p:txBody>
+          <a:bodyPr wrap="square" rtlCol="0">
+            <a:spAutoFit/>
+          </a:bodyPr>
+          <a:lstStyle/>
+          <a:p>
+            <a:pPr algn="ctr"/>
+            <a:r>
+              <a:rPr lang="es-CO" sz="1400" dirty="0"/>
+              <a:t>Virginica</a:t>
+            </a:r>
+          </a:p>
+        </p:txBody>
+      </p:sp>
+      <p:sp>
+        <p:nvSpPr>
+          <p:cNvPr id="13" name="CuadroTexto 12">
+            <a:extLst>
+              <a:ext uri="{FF2B5EF4-FFF2-40B4-BE49-F238E27FC236}">
+                <a16:creationId xmlns:a16="http://schemas.microsoft.com/office/drawing/2014/main" id="{18DCCFF0-3CE6-AB4D-97AC-7CE3D28D2EAE}"/>
+              </a:ext>
+            </a:extLst>
+          </p:cNvPr>
+          <p:cNvSpPr txBox="1"/>
+          <p:nvPr/>
+        </p:nvSpPr>
+        <p:spPr>
+          <a:xfrm>
+            <a:off x="2479118" y="941708"/>
+            <a:ext cx="1051028" cy="307777"/>
+          </a:xfrm>
+          <a:prstGeom prst="rect">
+            <a:avLst/>
+          </a:prstGeom>
+          <a:noFill/>
+        </p:spPr>
+        <p:txBody>
+          <a:bodyPr wrap="square" rtlCol="0">
+            <a:spAutoFit/>
+          </a:bodyPr>
+          <a:lstStyle/>
+          <a:p>
+            <a:pPr algn="ctr"/>
+            <a:r>
+              <a:rPr lang="es-CO" sz="1400" dirty="0"/>
+              <a:t>Versicolor</a:t>
+            </a:r>
+          </a:p>
+        </p:txBody>
+      </p:sp>
+      <p:sp>
+        <p:nvSpPr>
+          <p:cNvPr id="14" name="CuadroTexto 13">
+            <a:extLst>
+              <a:ext uri="{FF2B5EF4-FFF2-40B4-BE49-F238E27FC236}">
+                <a16:creationId xmlns:a16="http://schemas.microsoft.com/office/drawing/2014/main" id="{9C4D9C9C-4113-5442-9E28-3D352FE941C7}"/>
+              </a:ext>
+            </a:extLst>
+          </p:cNvPr>
+          <p:cNvSpPr txBox="1"/>
+          <p:nvPr/>
+        </p:nvSpPr>
+        <p:spPr>
+          <a:xfrm>
+            <a:off x="3530146" y="941708"/>
+            <a:ext cx="1078436" cy="307777"/>
+          </a:xfrm>
+          <a:prstGeom prst="rect">
+            <a:avLst/>
+          </a:prstGeom>
+          <a:noFill/>
+        </p:spPr>
+        <p:txBody>
+          <a:bodyPr wrap="square" rtlCol="0">
+            <a:spAutoFit/>
+          </a:bodyPr>
+          <a:lstStyle/>
+          <a:p>
+            <a:pPr algn="ctr"/>
+            <a:r>
+              <a:rPr lang="es-CO" sz="1400" dirty="0"/>
+              <a:t>Setosa</a:t>
+            </a:r>
           </a:p>
         </p:txBody>
       </p:sp>
